--- a/Time-Card/ДОКУМЕНТЫ/ТИПОГРАФИЯ/Проект погрешности.app.pptx
+++ b/Time-Card/ДОКУМЕНТЫ/ТИПОГРАФИЯ/Проект погрешности.app.pptx
@@ -285,7 +285,7 @@
       <p15:notesGuideLst xmlns:p15="http://schemas.microsoft.com/office/powerpoint/2012/main"/>
     </p:ext>
     <p:ext uri="GoogleSlidesCustomDataVersion2">
-      <go:slidesCustomData xmlns:go="http://customooxmlschemas.google.com/" xmlns="" r:id="rId31" roundtripDataSignature="AMtx7mhNngTpdb6Kst2mlBop8mV18dUr4w=="/>
+      <go:slidesCustomData xmlns="" xmlns:go="http://customooxmlschemas.google.com/" r:id="rId31" roundtripDataSignature="AMtx7mhNngTpdb6Kst2mlBop8mV18dUr4w=="/>
     </p:ext>
   </p:extLst>
 </p:presentation>
@@ -14726,8 +14726,8 @@
         </p:nvSpPr>
         <p:spPr>
           <a:xfrm>
-            <a:off x="1676400" y="319859"/>
-            <a:ext cx="10515600" cy="1325563"/>
+            <a:off x="1630831" y="400147"/>
+            <a:ext cx="4321153" cy="1325563"/>
           </a:xfrm>
           <a:prstGeom prst="rect">
             <a:avLst/>
@@ -14813,9 +14813,9 @@
         <p:grpSpPr>
           <a:xfrm>
             <a:off x="373899" y="3123516"/>
-            <a:ext cx="7010401" cy="3369359"/>
+            <a:ext cx="7010401" cy="3315534"/>
             <a:chOff x="83250" y="746000"/>
-            <a:chExt cx="8908351" cy="4465486"/>
+            <a:chExt cx="8908351" cy="4394150"/>
           </a:xfrm>
         </p:grpSpPr>
         <p:sp>
@@ -15557,8 +15557,8 @@
           </p:nvSpPr>
           <p:spPr>
             <a:xfrm>
-              <a:off x="385575" y="4477300"/>
-              <a:ext cx="1649099" cy="1696585"/>
+              <a:off x="131215" y="4405964"/>
+              <a:ext cx="2210785" cy="734186"/>
             </a:xfrm>
             <a:prstGeom prst="rect">
               <a:avLst/>
@@ -15589,15 +15589,33 @@
                 <a:buNone/>
               </a:pPr>
               <a:r>
-                <a:rPr sz="2400">
+                <a:rPr sz="2400" dirty="0">
                   <a:latin typeface="Optimistic Display"/>
                   <a:ea typeface="Optimistic Display"/>
                   <a:cs typeface="Optimistic Display"/>
                   <a:sym typeface="Optimistic Display"/>
                 </a:rPr>
-                <a:t>В идеале!</a:t>
+                <a:t>В </a:t>
               </a:r>
-              <a:endParaRPr sz="600">
+              <a:r>
+                <a:rPr sz="2400" dirty="0" err="1">
+                  <a:latin typeface="Optimistic Display"/>
+                  <a:ea typeface="Optimistic Display"/>
+                  <a:cs typeface="Optimistic Display"/>
+                  <a:sym typeface="Optimistic Display"/>
+                </a:rPr>
+                <a:t>идеале</a:t>
+              </a:r>
+              <a:r>
+                <a:rPr sz="2400" dirty="0">
+                  <a:latin typeface="Optimistic Display"/>
+                  <a:ea typeface="Optimistic Display"/>
+                  <a:cs typeface="Optimistic Display"/>
+                  <a:sym typeface="Optimistic Display"/>
+                </a:rPr>
+                <a:t>!</a:t>
+              </a:r>
+              <a:endParaRPr sz="600" dirty="0">
                 <a:solidFill>
                   <a:schemeClr val="dk1"/>
                 </a:solidFill>
@@ -15686,7 +15704,7 @@
               <a:buNone/>
             </a:pPr>
             <a:r>
-              <a:rPr sz="2000">
+              <a:rPr sz="2000" dirty="0">
                 <a:latin typeface="Optimistic Display"/>
                 <a:ea typeface="Optimistic Display"/>
                 <a:cs typeface="Optimistic Display"/>
@@ -15694,7 +15712,7 @@
               </a:rPr>
               <a:t>СТР[Е2Е]</a:t>
             </a:r>
-            <a:endParaRPr sz="1800">
+            <a:endParaRPr sz="1800" dirty="0">
               <a:solidFill>
                 <a:schemeClr val="dk1"/>
               </a:solidFill>
@@ -15706,6 +15724,36 @@
           </a:p>
         </p:txBody>
       </p:sp>
+      <p:pic>
+        <p:nvPicPr>
+          <p:cNvPr id="23" name="Рисунок 22">
+            <a:extLst>
+              <a:ext uri="{FF2B5EF4-FFF2-40B4-BE49-F238E27FC236}">
+                <a16:creationId xmlns:a16="http://schemas.microsoft.com/office/drawing/2014/main" id="{FED8A65E-87B4-45E7-8E8A-86098752CDA9}"/>
+              </a:ext>
+            </a:extLst>
+          </p:cNvPr>
+          <p:cNvPicPr>
+            <a:picLocks noChangeAspect="1"/>
+          </p:cNvPicPr>
+          <p:nvPr/>
+        </p:nvPicPr>
+        <p:blipFill>
+          <a:blip r:embed="rId28"/>
+          <a:stretch>
+            <a:fillRect/>
+          </a:stretch>
+        </p:blipFill>
+        <p:spPr>
+          <a:xfrm rot="5400000">
+            <a:off x="520196" y="2940984"/>
+            <a:ext cx="579975" cy="772854"/>
+          </a:xfrm>
+          <a:prstGeom prst="rect">
+            <a:avLst/>
+          </a:prstGeom>
+        </p:spPr>
+      </p:pic>
     </p:spTree>
   </p:cSld>
   <p:clrMapOvr>
@@ -15747,8 +15795,8 @@
         </p:nvSpPr>
         <p:spPr>
           <a:xfrm>
-            <a:off x="838200" y="365125"/>
-            <a:ext cx="10515600" cy="1325563"/>
+            <a:off x="2351584" y="260574"/>
+            <a:ext cx="8352928" cy="1325563"/>
           </a:xfrm>
           <a:prstGeom prst="rect">
             <a:avLst/>
@@ -15782,8 +15830,26 @@
               <a:buNone/>
             </a:pPr>
             <a:r>
-              <a:t>Оценка разницы и стабильности</a:t>
-            </a:r>
+              <a:rPr dirty="0" err="1"/>
+              <a:t>Оценка</a:t>
+            </a:r>
+            <a:r>
+              <a:rPr dirty="0"/>
+              <a:t> </a:t>
+            </a:r>
+            <a:r>
+              <a:rPr dirty="0" err="1"/>
+              <a:t>разницы</a:t>
+            </a:r>
+            <a:r>
+              <a:rPr dirty="0"/>
+              <a:t> и </a:t>
+            </a:r>
+            <a:r>
+              <a:rPr dirty="0" err="1"/>
+              <a:t>стабильности</a:t>
+            </a:r>
+            <a:endParaRPr dirty="0"/>
           </a:p>
         </p:txBody>
       </p:sp>

--- a/Time-Card/ДОКУМЕНТЫ/ТИПОГРАФИЯ/Проект погрешности.app.pptx
+++ b/Time-Card/ДОКУМЕНТЫ/ТИПОГРАФИЯ/Проект погрешности.app.pptx
@@ -285,7 +285,7 @@
       <p15:notesGuideLst xmlns:p15="http://schemas.microsoft.com/office/powerpoint/2012/main"/>
     </p:ext>
     <p:ext uri="GoogleSlidesCustomDataVersion2">
-      <go:slidesCustomData xmlns="" xmlns:go="http://customooxmlschemas.google.com/" r:id="rId31" roundtripDataSignature="AMtx7mhNngTpdb6Kst2mlBop8mV18dUr4w=="/>
+      <go:slidesCustomData xmlns:go="http://customooxmlschemas.google.com/" xmlns="" r:id="rId31" roundtripDataSignature="AMtx7mhNngTpdb6Kst2mlBop8mV18dUr4w=="/>
     </p:ext>
   </p:extLst>
 </p:presentation>
@@ -22489,8 +22489,18 @@
               <a:buNone/>
             </a:pPr>
             <a:r>
-              <a:t>Общий обзор</a:t>
-            </a:r>
+              <a:rPr dirty="0" err="1"/>
+              <a:t>Общий</a:t>
+            </a:r>
+            <a:r>
+              <a:rPr dirty="0"/>
+              <a:t> </a:t>
+            </a:r>
+            <a:r>
+              <a:rPr dirty="0" err="1"/>
+              <a:t>обзор</a:t>
+            </a:r>
+            <a:endParaRPr dirty="0"/>
           </a:p>
         </p:txBody>
       </p:sp>
@@ -22543,7 +22553,72 @@
               <a:buChar char="•"/>
             </a:pPr>
             <a:r>
-              <a:t>PT передает время конечным узлам от сервера времени [как Gt]</a:t>
+              <a:rPr dirty="0"/>
+              <a:t>PT </a:t>
+            </a:r>
+            <a:r>
+              <a:rPr dirty="0" err="1"/>
+              <a:t>передает</a:t>
+            </a:r>
+            <a:r>
+              <a:rPr dirty="0"/>
+              <a:t> </a:t>
+            </a:r>
+            <a:r>
+              <a:rPr dirty="0" err="1"/>
+              <a:t>время</a:t>
+            </a:r>
+            <a:r>
+              <a:rPr dirty="0"/>
+              <a:t> </a:t>
+            </a:r>
+            <a:r>
+              <a:rPr dirty="0" err="1"/>
+              <a:t>конечным</a:t>
+            </a:r>
+            <a:r>
+              <a:rPr dirty="0"/>
+              <a:t> </a:t>
+            </a:r>
+            <a:r>
+              <a:rPr dirty="0" err="1"/>
+              <a:t>узлам</a:t>
+            </a:r>
+            <a:r>
+              <a:rPr dirty="0"/>
+              <a:t> </a:t>
+            </a:r>
+            <a:r>
+              <a:rPr dirty="0" err="1"/>
+              <a:t>от</a:t>
+            </a:r>
+            <a:r>
+              <a:rPr dirty="0"/>
+              <a:t> </a:t>
+            </a:r>
+            <a:r>
+              <a:rPr dirty="0" err="1"/>
+              <a:t>сервера</a:t>
+            </a:r>
+            <a:r>
+              <a:rPr dirty="0"/>
+              <a:t> </a:t>
+            </a:r>
+            <a:r>
+              <a:rPr dirty="0" err="1"/>
+              <a:t>времени</a:t>
+            </a:r>
+            <a:r>
+              <a:rPr dirty="0"/>
+              <a:t> [</a:t>
+            </a:r>
+            <a:r>
+              <a:rPr dirty="0" err="1"/>
+              <a:t>как</a:t>
+            </a:r>
+            <a:r>
+              <a:rPr dirty="0"/>
+              <a:t> Gt]</a:t>
             </a:r>
           </a:p>
           <a:p>
@@ -22564,8 +22639,66 @@
               <a:buChar char="•"/>
             </a:pPr>
             <a:r>
-              <a:t>Конец узлам нужно оценить/ предугадать, что ошибка связана</a:t>
-            </a:r>
+              <a:rPr dirty="0" err="1"/>
+              <a:t>Конец</a:t>
+            </a:r>
+            <a:r>
+              <a:rPr dirty="0"/>
+              <a:t> </a:t>
+            </a:r>
+            <a:r>
+              <a:rPr dirty="0" err="1"/>
+              <a:t>узлам</a:t>
+            </a:r>
+            <a:r>
+              <a:rPr dirty="0"/>
+              <a:t> </a:t>
+            </a:r>
+            <a:r>
+              <a:rPr dirty="0" err="1"/>
+              <a:t>нужно</a:t>
+            </a:r>
+            <a:r>
+              <a:rPr dirty="0"/>
+              <a:t> </a:t>
+            </a:r>
+            <a:r>
+              <a:rPr dirty="0" err="1"/>
+              <a:t>оценить</a:t>
+            </a:r>
+            <a:r>
+              <a:rPr dirty="0"/>
+              <a:t>/ </a:t>
+            </a:r>
+            <a:r>
+              <a:rPr dirty="0" err="1"/>
+              <a:t>предугадать</a:t>
+            </a:r>
+            <a:r>
+              <a:rPr dirty="0"/>
+              <a:t>, </a:t>
+            </a:r>
+            <a:r>
+              <a:rPr dirty="0" err="1"/>
+              <a:t>что</a:t>
+            </a:r>
+            <a:r>
+              <a:rPr dirty="0"/>
+              <a:t> </a:t>
+            </a:r>
+            <a:r>
+              <a:rPr dirty="0" err="1"/>
+              <a:t>ошибка</a:t>
+            </a:r>
+            <a:r>
+              <a:rPr dirty="0"/>
+              <a:t> </a:t>
+            </a:r>
+            <a:r>
+              <a:rPr dirty="0" err="1"/>
+              <a:t>связана</a:t>
+            </a:r>
+            <a:endParaRPr dirty="0"/>
           </a:p>
           <a:p>
             <a:pPr marL="228600" lvl="0" indent="-228600" algn="l" rtl="0">
@@ -22585,8 +22718,74 @@
               <a:buChar char="•"/>
             </a:pPr>
             <a:r>
-              <a:t>Сервер времени предоставляет конечным узлам погрешность, связанную с его сервисом</a:t>
-            </a:r>
+              <a:rPr dirty="0" err="1"/>
+              <a:t>Сервер</a:t>
+            </a:r>
+            <a:r>
+              <a:rPr dirty="0"/>
+              <a:t> </a:t>
+            </a:r>
+            <a:r>
+              <a:rPr dirty="0" err="1"/>
+              <a:t>времени</a:t>
+            </a:r>
+            <a:r>
+              <a:rPr dirty="0"/>
+              <a:t> </a:t>
+            </a:r>
+            <a:r>
+              <a:rPr dirty="0" err="1"/>
+              <a:t>предоставляет</a:t>
+            </a:r>
+            <a:r>
+              <a:rPr dirty="0"/>
+              <a:t> </a:t>
+            </a:r>
+            <a:r>
+              <a:rPr dirty="0" err="1"/>
+              <a:t>конечным</a:t>
+            </a:r>
+            <a:r>
+              <a:rPr dirty="0"/>
+              <a:t> </a:t>
+            </a:r>
+            <a:r>
+              <a:rPr dirty="0" err="1"/>
+              <a:t>узлам</a:t>
+            </a:r>
+            <a:r>
+              <a:rPr dirty="0"/>
+              <a:t> </a:t>
+            </a:r>
+            <a:r>
+              <a:rPr dirty="0" err="1"/>
+              <a:t>погрешность</a:t>
+            </a:r>
+            <a:r>
+              <a:rPr dirty="0"/>
+              <a:t>, </a:t>
+            </a:r>
+            <a:r>
+              <a:rPr dirty="0" err="1"/>
+              <a:t>связанную</a:t>
+            </a:r>
+            <a:r>
+              <a:rPr dirty="0"/>
+              <a:t> с </a:t>
+            </a:r>
+            <a:r>
+              <a:rPr dirty="0" err="1"/>
+              <a:t>его</a:t>
+            </a:r>
+            <a:r>
+              <a:rPr dirty="0"/>
+              <a:t> </a:t>
+            </a:r>
+            <a:r>
+              <a:rPr dirty="0" err="1"/>
+              <a:t>сервисом</a:t>
+            </a:r>
+            <a:endParaRPr dirty="0"/>
           </a:p>
           <a:p>
             <a:pPr marL="228600" lvl="0" indent="-228600" algn="l" rtl="0">
@@ -22606,8 +22805,74 @@
               <a:buChar char="•"/>
             </a:pPr>
             <a:r>
-              <a:t>Ошибки могут быть разделены на две части; точность и точность</a:t>
-            </a:r>
+              <a:rPr dirty="0" err="1"/>
+              <a:t>Ошибки</a:t>
+            </a:r>
+            <a:r>
+              <a:rPr dirty="0"/>
+              <a:t> </a:t>
+            </a:r>
+            <a:r>
+              <a:rPr dirty="0" err="1"/>
+              <a:t>могут</a:t>
+            </a:r>
+            <a:r>
+              <a:rPr dirty="0"/>
+              <a:t> </a:t>
+            </a:r>
+            <a:r>
+              <a:rPr dirty="0" err="1"/>
+              <a:t>быть</a:t>
+            </a:r>
+            <a:r>
+              <a:rPr dirty="0"/>
+              <a:t> </a:t>
+            </a:r>
+            <a:r>
+              <a:rPr dirty="0" err="1"/>
+              <a:t>разделены</a:t>
+            </a:r>
+            <a:r>
+              <a:rPr dirty="0"/>
+              <a:t> </a:t>
+            </a:r>
+            <a:r>
+              <a:rPr dirty="0" err="1"/>
+              <a:t>на</a:t>
+            </a:r>
+            <a:r>
+              <a:rPr dirty="0"/>
+              <a:t> </a:t>
+            </a:r>
+            <a:r>
+              <a:rPr dirty="0" err="1"/>
+              <a:t>две</a:t>
+            </a:r>
+            <a:r>
+              <a:rPr dirty="0"/>
+              <a:t> </a:t>
+            </a:r>
+            <a:r>
+              <a:rPr dirty="0" err="1"/>
+              <a:t>части</a:t>
+            </a:r>
+            <a:r>
+              <a:rPr dirty="0"/>
+              <a:t>; </a:t>
+            </a:r>
+            <a:r>
+              <a:rPr dirty="0" err="1"/>
+              <a:t>точность</a:t>
+            </a:r>
+            <a:r>
+              <a:rPr dirty="0"/>
+              <a:t> и </a:t>
+            </a:r>
+            <a:r>
+              <a:rPr dirty="0" err="1"/>
+              <a:t>точность</a:t>
+            </a:r>
+            <a:endParaRPr dirty="0"/>
           </a:p>
           <a:p>
             <a:pPr marL="228600" lvl="0" indent="-228600" algn="l" rtl="0">
@@ -22627,8 +22892,74 @@
               <a:buChar char="•"/>
             </a:pPr>
             <a:r>
-              <a:t>Точность основана на разнице в величине разницы, выраженной конечным узлом</a:t>
-            </a:r>
+              <a:rPr dirty="0" err="1"/>
+              <a:t>Точность</a:t>
+            </a:r>
+            <a:r>
+              <a:rPr dirty="0"/>
+              <a:t> </a:t>
+            </a:r>
+            <a:r>
+              <a:rPr dirty="0" err="1"/>
+              <a:t>основана</a:t>
+            </a:r>
+            <a:r>
+              <a:rPr dirty="0"/>
+              <a:t> </a:t>
+            </a:r>
+            <a:r>
+              <a:rPr dirty="0" err="1"/>
+              <a:t>на</a:t>
+            </a:r>
+            <a:r>
+              <a:rPr dirty="0"/>
+              <a:t> </a:t>
+            </a:r>
+            <a:r>
+              <a:rPr dirty="0" err="1"/>
+              <a:t>разнице</a:t>
+            </a:r>
+            <a:r>
+              <a:rPr dirty="0"/>
+              <a:t> в </a:t>
+            </a:r>
+            <a:r>
+              <a:rPr dirty="0" err="1"/>
+              <a:t>величине</a:t>
+            </a:r>
+            <a:r>
+              <a:rPr dirty="0"/>
+              <a:t> </a:t>
+            </a:r>
+            <a:r>
+              <a:rPr dirty="0" err="1"/>
+              <a:t>разницы</a:t>
+            </a:r>
+            <a:r>
+              <a:rPr dirty="0"/>
+              <a:t>, </a:t>
+            </a:r>
+            <a:r>
+              <a:rPr dirty="0" err="1"/>
+              <a:t>выраженной</a:t>
+            </a:r>
+            <a:r>
+              <a:rPr dirty="0"/>
+              <a:t> </a:t>
+            </a:r>
+            <a:r>
+              <a:rPr dirty="0" err="1"/>
+              <a:t>конечным</a:t>
+            </a:r>
+            <a:r>
+              <a:rPr dirty="0"/>
+              <a:t> </a:t>
+            </a:r>
+            <a:r>
+              <a:rPr dirty="0" err="1"/>
+              <a:t>узлом</a:t>
+            </a:r>
+            <a:endParaRPr dirty="0"/>
           </a:p>
           <a:p>
             <a:pPr marL="228600" lvl="0" indent="-228600" algn="l" rtl="0">
@@ -22648,8 +22979,50 @@
               <a:buChar char="•"/>
             </a:pPr>
             <a:r>
-              <a:t>Точность основывается на соглашении с другими коллегами</a:t>
-            </a:r>
+              <a:rPr dirty="0" err="1"/>
+              <a:t>Точность</a:t>
+            </a:r>
+            <a:r>
+              <a:rPr dirty="0"/>
+              <a:t> </a:t>
+            </a:r>
+            <a:r>
+              <a:rPr dirty="0" err="1"/>
+              <a:t>основывается</a:t>
+            </a:r>
+            <a:r>
+              <a:rPr dirty="0"/>
+              <a:t> </a:t>
+            </a:r>
+            <a:r>
+              <a:rPr dirty="0" err="1"/>
+              <a:t>на</a:t>
+            </a:r>
+            <a:r>
+              <a:rPr dirty="0"/>
+              <a:t> </a:t>
+            </a:r>
+            <a:r>
+              <a:rPr dirty="0" err="1"/>
+              <a:t>соглашении</a:t>
+            </a:r>
+            <a:r>
+              <a:rPr dirty="0"/>
+              <a:t> с </a:t>
+            </a:r>
+            <a:r>
+              <a:rPr dirty="0" err="1"/>
+              <a:t>другими</a:t>
+            </a:r>
+            <a:r>
+              <a:rPr dirty="0"/>
+              <a:t> </a:t>
+            </a:r>
+            <a:r>
+              <a:rPr dirty="0" err="1"/>
+              <a:t>коллегами</a:t>
+            </a:r>
+            <a:endParaRPr dirty="0"/>
           </a:p>
         </p:txBody>
       </p:sp>
@@ -22766,7 +23139,7 @@
           </a:bodyPr>
           <a:lstStyle/>
           <a:p>
-            <a:pPr marL="228600" lvl="0" indent="-228600" algn="l" rtl="0">
+            <a:pPr marL="228600" lvl="0" indent="-228600" algn="just" rtl="0">
               <a:lnSpc>
                 <a:spcPct val="90000"/>
               </a:lnSpc>
@@ -22783,11 +23156,144 @@
               <a:buChar char="•"/>
             </a:pPr>
             <a:r>
-              <a:t>Для синхронизации часов требуются процессы (p1, p2, p3,... pn), чтобы как можно ближе сблизить их часы с помощью связи между ними.</a:t>
+              <a:rPr dirty="0" err="1"/>
+              <a:t>Для</a:t>
+            </a:r>
+            <a:r>
+              <a:rPr dirty="0"/>
+              <a:t> </a:t>
+            </a:r>
+            <a:r>
+              <a:rPr dirty="0" err="1"/>
+              <a:t>синхронизации</a:t>
+            </a:r>
+            <a:r>
+              <a:rPr dirty="0"/>
+              <a:t> </a:t>
+            </a:r>
+            <a:r>
+              <a:rPr dirty="0" err="1"/>
+              <a:t>часов</a:t>
+            </a:r>
+            <a:r>
+              <a:rPr dirty="0"/>
+              <a:t> </a:t>
+            </a:r>
+            <a:r>
+              <a:rPr dirty="0" err="1"/>
+              <a:t>требуются</a:t>
+            </a:r>
+            <a:r>
+              <a:rPr dirty="0"/>
+              <a:t> </a:t>
+            </a:r>
+            <a:r>
+              <a:rPr dirty="0" err="1"/>
+              <a:t>процессы</a:t>
+            </a:r>
+            <a:r>
+              <a:rPr dirty="0"/>
+              <a:t> (p1, p2, p3,... </a:t>
+            </a:r>
+            <a:r>
+              <a:rPr dirty="0" err="1"/>
+              <a:t>pn</a:t>
+            </a:r>
+            <a:r>
+              <a:rPr dirty="0"/>
+              <a:t>), </a:t>
+            </a:r>
+            <a:r>
+              <a:rPr dirty="0" err="1"/>
+              <a:t>чтобы</a:t>
+            </a:r>
+            <a:r>
+              <a:rPr dirty="0"/>
+              <a:t> </a:t>
+            </a:r>
+            <a:r>
+              <a:rPr dirty="0" err="1"/>
+              <a:t>как</a:t>
+            </a:r>
+            <a:r>
+              <a:rPr dirty="0"/>
+              <a:t> </a:t>
+            </a:r>
+            <a:r>
+              <a:rPr dirty="0" err="1"/>
+              <a:t>можно</a:t>
+            </a:r>
+            <a:r>
+              <a:rPr dirty="0"/>
+              <a:t> </a:t>
+            </a:r>
+            <a:r>
+              <a:rPr dirty="0" err="1"/>
+              <a:t>ближе</a:t>
+            </a:r>
+            <a:r>
+              <a:rPr dirty="0"/>
+              <a:t> </a:t>
+            </a:r>
+            <a:r>
+              <a:rPr dirty="0" err="1"/>
+              <a:t>сблизить</a:t>
+            </a:r>
+            <a:r>
+              <a:rPr dirty="0"/>
+              <a:t> </a:t>
+            </a:r>
+            <a:r>
+              <a:rPr dirty="0" err="1"/>
+              <a:t>их</a:t>
+            </a:r>
+            <a:r>
+              <a:rPr dirty="0"/>
+              <a:t> </a:t>
+            </a:r>
+            <a:r>
+              <a:rPr dirty="0" err="1"/>
+              <a:t>часы</a:t>
+            </a:r>
+            <a:r>
+              <a:rPr dirty="0"/>
+              <a:t> с </a:t>
+            </a:r>
+            <a:r>
+              <a:rPr dirty="0" err="1"/>
+              <a:t>помощью</a:t>
+            </a:r>
+            <a:r>
+              <a:rPr dirty="0"/>
+              <a:t> </a:t>
+            </a:r>
+            <a:r>
+              <a:rPr dirty="0" err="1"/>
+              <a:t>связи</a:t>
+            </a:r>
+            <a:r>
+              <a:rPr dirty="0"/>
+              <a:t> </a:t>
+            </a:r>
+            <a:r>
+              <a:rPr dirty="0" err="1"/>
+              <a:t>между</a:t>
+            </a:r>
+            <a:r>
+              <a:rPr dirty="0"/>
+              <a:t> </a:t>
+            </a:r>
+            <a:r>
+              <a:rPr dirty="0" err="1"/>
+              <a:t>ними</a:t>
+            </a:r>
+            <a:r>
+              <a:rPr dirty="0"/>
+              <a:t>.</a:t>
             </a:r>
           </a:p>
           <a:p>
-            <a:pPr marL="228600" lvl="0" indent="-228600" algn="l" rtl="0">
+            <a:pPr marL="228600" lvl="0" indent="-228600" algn="just" rtl="0">
               <a:lnSpc>
                 <a:spcPct val="90000"/>
               </a:lnSpc>
@@ -22804,11 +23310,109 @@
               <a:buChar char="•"/>
             </a:pPr>
             <a:r>
-              <a:t>Для процесса pi скорректированные часы процесса peri A(t)i являются функцией аппаратных часов He(t)i и переменной pri</a:t>
-            </a:r>
+              <a:rPr dirty="0" err="1"/>
+              <a:t>Для</a:t>
+            </a:r>
+            <a:r>
+              <a:rPr dirty="0"/>
+              <a:t> </a:t>
+            </a:r>
+            <a:r>
+              <a:rPr dirty="0" err="1"/>
+              <a:t>процесса</a:t>
+            </a:r>
+            <a:r>
+              <a:rPr dirty="0"/>
+              <a:t> pi </a:t>
+            </a:r>
+            <a:r>
+              <a:rPr dirty="0" err="1"/>
+              <a:t>скорректированные</a:t>
+            </a:r>
+            <a:r>
+              <a:rPr dirty="0"/>
+              <a:t> </a:t>
+            </a:r>
+            <a:r>
+              <a:rPr dirty="0" err="1"/>
+              <a:t>часы</a:t>
+            </a:r>
+            <a:r>
+              <a:rPr dirty="0"/>
+              <a:t> </a:t>
+            </a:r>
+            <a:r>
+              <a:rPr dirty="0" err="1"/>
+              <a:t>процесса</a:t>
+            </a:r>
+            <a:r>
+              <a:rPr dirty="0"/>
+              <a:t> peri A(t)</a:t>
+            </a:r>
+            <a:r>
+              <a:rPr dirty="0" err="1"/>
+              <a:t>i</a:t>
+            </a:r>
+            <a:r>
+              <a:rPr dirty="0"/>
+              <a:t> </a:t>
+            </a:r>
+            <a:r>
+              <a:rPr dirty="0" err="1"/>
+              <a:t>являются</a:t>
+            </a:r>
+            <a:r>
+              <a:rPr dirty="0"/>
+              <a:t> </a:t>
+            </a:r>
+            <a:r>
+              <a:rPr dirty="0" err="1"/>
+              <a:t>функцией</a:t>
+            </a:r>
+            <a:r>
+              <a:rPr dirty="0"/>
+              <a:t> </a:t>
+            </a:r>
+            <a:r>
+              <a:rPr dirty="0" err="1"/>
+              <a:t>аппаратных</a:t>
+            </a:r>
+            <a:r>
+              <a:rPr dirty="0"/>
+              <a:t> </a:t>
+            </a:r>
+            <a:r>
+              <a:rPr dirty="0" err="1"/>
+              <a:t>часов</a:t>
+            </a:r>
+            <a:r>
+              <a:rPr dirty="0"/>
+              <a:t> He(t)</a:t>
+            </a:r>
+            <a:r>
+              <a:rPr dirty="0" err="1"/>
+              <a:t>i</a:t>
+            </a:r>
+            <a:r>
+              <a:rPr dirty="0"/>
+              <a:t> и </a:t>
+            </a:r>
+            <a:r>
+              <a:rPr dirty="0" err="1"/>
+              <a:t>переменной</a:t>
+            </a:r>
+            <a:r>
+              <a:rPr dirty="0"/>
+              <a:t> </a:t>
+            </a:r>
+            <a:r>
+              <a:rPr dirty="0" err="1"/>
+              <a:t>pri</a:t>
+            </a:r>
+            <a:endParaRPr dirty="0"/>
           </a:p>
           <a:p>
-            <a:pPr marL="228600" lvl="0" indent="-228600" algn="l" rtl="0">
+            <a:pPr marL="228600" lvl="0" indent="-228600" algn="just" rtl="0">
               <a:lnSpc>
                 <a:spcPct val="90000"/>
               </a:lnSpc>
@@ -22825,12 +23429,85 @@
               <a:buChar char="•"/>
             </a:pPr>
             <a:r>
-              <a:t>Процесс синхронизации в pi корректирует значение априта и тем самым изменяет значение A(t)i</a:t>
-            </a:r>
-            <a:endParaRPr baseline="-25000"/>
+              <a:rPr dirty="0" err="1"/>
+              <a:t>Процесс</a:t>
+            </a:r>
+            <a:r>
+              <a:rPr dirty="0"/>
+              <a:t> </a:t>
+            </a:r>
+            <a:r>
+              <a:rPr dirty="0" err="1"/>
+              <a:t>синхронизации</a:t>
+            </a:r>
+            <a:r>
+              <a:rPr dirty="0"/>
+              <a:t> в pi </a:t>
+            </a:r>
+            <a:r>
+              <a:rPr dirty="0" err="1"/>
+              <a:t>корректирует</a:t>
+            </a:r>
+            <a:r>
+              <a:rPr dirty="0"/>
+              <a:t> </a:t>
+            </a:r>
+            <a:r>
+              <a:rPr dirty="0" err="1"/>
+              <a:t>значение</a:t>
+            </a:r>
+            <a:r>
+              <a:rPr dirty="0"/>
+              <a:t> </a:t>
+            </a:r>
+            <a:r>
+              <a:rPr dirty="0" err="1"/>
+              <a:t>априта</a:t>
+            </a:r>
+            <a:r>
+              <a:rPr dirty="0"/>
+              <a:t> и </a:t>
+            </a:r>
+            <a:r>
+              <a:rPr dirty="0" err="1"/>
+              <a:t>тем</a:t>
+            </a:r>
+            <a:r>
+              <a:rPr dirty="0"/>
+              <a:t> </a:t>
+            </a:r>
+            <a:r>
+              <a:rPr dirty="0" err="1"/>
+              <a:t>самым</a:t>
+            </a:r>
+            <a:r>
+              <a:rPr dirty="0"/>
+              <a:t> </a:t>
+            </a:r>
+            <a:r>
+              <a:rPr dirty="0" err="1"/>
+              <a:t>изменяет</a:t>
+            </a:r>
+            <a:r>
+              <a:rPr dirty="0"/>
+              <a:t> </a:t>
+            </a:r>
+            <a:r>
+              <a:rPr dirty="0" err="1"/>
+              <a:t>значение</a:t>
+            </a:r>
+            <a:r>
+              <a:rPr dirty="0"/>
+              <a:t> A(t)</a:t>
+            </a:r>
+            <a:r>
+              <a:rPr dirty="0" err="1"/>
+              <a:t>i</a:t>
+            </a:r>
+            <a:endParaRPr baseline="-25000" dirty="0"/>
           </a:p>
           <a:p>
-            <a:pPr marL="228600" lvl="0" indent="-228600" algn="l" rtl="0">
+            <a:pPr marL="228600" lvl="0" indent="-228600" algn="just" rtl="0">
               <a:lnSpc>
                 <a:spcPct val="90000"/>
               </a:lnSpc>
@@ -22847,12 +23524,117 @@
               <a:buChar char="•"/>
             </a:pPr>
             <a:r>
-              <a:t>Ошибочная граница γ определяется путем достижения ΔA(t)i-AC(t)j &gt; ≤ ___ для любого данного i и j, представляющих процессы pri и pj</a:t>
-            </a:r>
-            <a:endParaRPr baseline="-25000"/>
+              <a:rPr dirty="0" err="1"/>
+              <a:t>Ошибочная</a:t>
+            </a:r>
+            <a:r>
+              <a:rPr dirty="0"/>
+              <a:t> </a:t>
+            </a:r>
+            <a:r>
+              <a:rPr dirty="0" err="1"/>
+              <a:t>граница</a:t>
+            </a:r>
+            <a:r>
+              <a:rPr dirty="0"/>
+              <a:t> γ </a:t>
+            </a:r>
+            <a:r>
+              <a:rPr dirty="0" err="1"/>
+              <a:t>определяется</a:t>
+            </a:r>
+            <a:r>
+              <a:rPr dirty="0"/>
+              <a:t> </a:t>
+            </a:r>
+            <a:r>
+              <a:rPr dirty="0" err="1"/>
+              <a:t>путем</a:t>
+            </a:r>
+            <a:r>
+              <a:rPr dirty="0"/>
+              <a:t> </a:t>
+            </a:r>
+            <a:r>
+              <a:rPr dirty="0" err="1"/>
+              <a:t>достижения</a:t>
+            </a:r>
+            <a:r>
+              <a:rPr dirty="0"/>
+              <a:t> ΔA(t)</a:t>
+            </a:r>
+            <a:r>
+              <a:rPr dirty="0" err="1"/>
+              <a:t>i</a:t>
+            </a:r>
+            <a:r>
+              <a:rPr dirty="0"/>
+              <a:t>-AC(t)j &gt; ≤ ___ </a:t>
+            </a:r>
+            <a:r>
+              <a:rPr dirty="0" err="1"/>
+              <a:t>для</a:t>
+            </a:r>
+            <a:r>
+              <a:rPr dirty="0"/>
+              <a:t> </a:t>
+            </a:r>
+            <a:r>
+              <a:rPr dirty="0" err="1"/>
+              <a:t>любого</a:t>
+            </a:r>
+            <a:r>
+              <a:rPr dirty="0"/>
+              <a:t> </a:t>
+            </a:r>
+            <a:r>
+              <a:rPr dirty="0" err="1"/>
+              <a:t>данного</a:t>
+            </a:r>
+            <a:r>
+              <a:rPr dirty="0"/>
+              <a:t> </a:t>
+            </a:r>
+            <a:r>
+              <a:rPr dirty="0" err="1"/>
+              <a:t>i</a:t>
+            </a:r>
+            <a:r>
+              <a:rPr dirty="0"/>
+              <a:t> и j, </a:t>
+            </a:r>
+            <a:r>
+              <a:rPr dirty="0" err="1"/>
+              <a:t>представляющих</a:t>
+            </a:r>
+            <a:r>
+              <a:rPr dirty="0"/>
+              <a:t> </a:t>
+            </a:r>
+            <a:r>
+              <a:rPr dirty="0" err="1"/>
+              <a:t>процессы</a:t>
+            </a:r>
+            <a:r>
+              <a:rPr dirty="0"/>
+              <a:t> </a:t>
+            </a:r>
+            <a:r>
+              <a:rPr dirty="0" err="1"/>
+              <a:t>pri</a:t>
+            </a:r>
+            <a:r>
+              <a:rPr dirty="0"/>
+              <a:t> и </a:t>
+            </a:r>
+            <a:r>
+              <a:rPr dirty="0" err="1"/>
+              <a:t>pj</a:t>
+            </a:r>
+            <a:endParaRPr baseline="-25000" dirty="0"/>
           </a:p>
           <a:p>
-            <a:pPr marL="228600" lvl="0" indent="-228600" algn="l" rtl="0">
+            <a:pPr marL="228600" lvl="0" indent="-228600" algn="just" rtl="0">
               <a:lnSpc>
                 <a:spcPct val="90000"/>
               </a:lnSpc>
@@ -22869,11 +23651,128 @@
               <a:buChar char="•"/>
             </a:pPr>
             <a:r>
-              <a:t>Для каждого ри, участвующего в синхронизации часов, по крайней мере Δ(1-1) /n ) где β - неопределенность в задержке сообщения [Lundelius and Linch 84]</a:t>
+              <a:rPr dirty="0" err="1"/>
+              <a:t>Для</a:t>
+            </a:r>
+            <a:r>
+              <a:rPr dirty="0"/>
+              <a:t> </a:t>
+            </a:r>
+            <a:r>
+              <a:rPr dirty="0" err="1"/>
+              <a:t>каждого</a:t>
+            </a:r>
+            <a:r>
+              <a:rPr dirty="0"/>
+              <a:t> </a:t>
+            </a:r>
+            <a:r>
+              <a:rPr dirty="0" err="1"/>
+              <a:t>ри</a:t>
+            </a:r>
+            <a:r>
+              <a:rPr dirty="0"/>
+              <a:t>, </a:t>
+            </a:r>
+            <a:r>
+              <a:rPr dirty="0" err="1"/>
+              <a:t>участвующего</a:t>
+            </a:r>
+            <a:r>
+              <a:rPr dirty="0"/>
+              <a:t> в </a:t>
+            </a:r>
+            <a:r>
+              <a:rPr dirty="0" err="1"/>
+              <a:t>синхронизации</a:t>
+            </a:r>
+            <a:r>
+              <a:rPr dirty="0"/>
+              <a:t> </a:t>
+            </a:r>
+            <a:r>
+              <a:rPr dirty="0" err="1"/>
+              <a:t>часов</a:t>
+            </a:r>
+            <a:r>
+              <a:rPr dirty="0"/>
+              <a:t>, </a:t>
+            </a:r>
+            <a:r>
+              <a:rPr dirty="0" err="1"/>
+              <a:t>по</a:t>
+            </a:r>
+            <a:r>
+              <a:rPr dirty="0"/>
+              <a:t> </a:t>
+            </a:r>
+            <a:r>
+              <a:rPr dirty="0" err="1"/>
+              <a:t>крайней</a:t>
+            </a:r>
+            <a:r>
+              <a:rPr dirty="0"/>
+              <a:t> </a:t>
+            </a:r>
+            <a:r>
+              <a:rPr dirty="0" err="1"/>
+              <a:t>мере</a:t>
+            </a:r>
+            <a:r>
+              <a:rPr dirty="0"/>
+              <a:t> Δ(1-1) /n ) </a:t>
+            </a:r>
+            <a:r>
+              <a:rPr dirty="0" err="1"/>
+              <a:t>где</a:t>
+            </a:r>
+            <a:r>
+              <a:rPr dirty="0"/>
+              <a:t> β - </a:t>
+            </a:r>
+            <a:r>
+              <a:rPr dirty="0" err="1"/>
+              <a:t>неопределенность</a:t>
+            </a:r>
+            <a:r>
+              <a:rPr dirty="0"/>
+              <a:t> в </a:t>
+            </a:r>
+            <a:r>
+              <a:rPr dirty="0" err="1"/>
+              <a:t>задержке</a:t>
+            </a:r>
+            <a:r>
+              <a:rPr dirty="0"/>
+              <a:t> </a:t>
+            </a:r>
+            <a:r>
+              <a:rPr dirty="0" err="1"/>
+              <a:t>сообщения</a:t>
+            </a:r>
+            <a:r>
+              <a:rPr dirty="0"/>
+              <a:t> [</a:t>
+            </a:r>
+            <a:r>
+              <a:rPr dirty="0" err="1"/>
+              <a:t>Lundelius</a:t>
+            </a:r>
+            <a:r>
+              <a:rPr dirty="0"/>
+              <a:t> and </a:t>
+            </a:r>
+            <a:r>
+              <a:rPr dirty="0" err="1"/>
+              <a:t>Linch</a:t>
+            </a:r>
+            <a:r>
+              <a:rPr dirty="0"/>
+              <a:t> 84]</a:t>
             </a:r>
           </a:p>
           <a:p>
-            <a:pPr marL="228600" lvl="0" indent="-228600" algn="l" rtl="0">
+            <a:pPr marL="228600" lvl="0" indent="-228600" algn="just" rtl="0">
               <a:lnSpc>
                 <a:spcPct val="90000"/>
               </a:lnSpc>
@@ -22890,6 +23789,7 @@
               <a:buChar char="•"/>
             </a:pPr>
             <a:r>
+              <a:rPr dirty="0"/>
               <a:t>Assuming symmetry for the error bound γ we can write γ = (2(ε/2)+(n-2)ε)/n</a:t>
             </a:r>
           </a:p>
@@ -22910,7 +23810,7 @@
               <a:buSzTx/>
               <a:buNone/>
             </a:pPr>
-            <a:endParaRPr baseline="-25000"/>
+            <a:endParaRPr baseline="-25000" dirty="0"/>
           </a:p>
           <a:p>
             <a:pPr marL="228600" lvl="0" indent="-64135" algn="l" rtl="0">
@@ -22929,7 +23829,7 @@
               <a:buSzTx/>
               <a:buNone/>
             </a:pPr>
-            <a:endParaRPr/>
+            <a:endParaRPr dirty="0"/>
           </a:p>
           <a:p>
             <a:pPr marL="228600" lvl="0" indent="-64135" algn="l" rtl="0">
@@ -22948,7 +23848,7 @@
               <a:buSzTx/>
               <a:buNone/>
             </a:pPr>
-            <a:endParaRPr/>
+            <a:endParaRPr dirty="0"/>
           </a:p>
         </p:txBody>
       </p:sp>
@@ -23065,7 +23965,7 @@
           </a:bodyPr>
           <a:lstStyle/>
           <a:p>
-            <a:pPr marL="228600" lvl="0" indent="-228600" algn="l" rtl="0">
+            <a:pPr marL="228600" lvl="0" indent="-228600" algn="just" rtl="0">
               <a:lnSpc>
                 <a:spcPct val="90000"/>
               </a:lnSpc>
@@ -23147,7 +24047,7 @@
             </a:r>
           </a:p>
           <a:p>
-            <a:pPr marL="228600" lvl="0" indent="-228600" algn="l" rtl="0">
+            <a:pPr marL="228600" lvl="0" indent="-228600" algn="just" rtl="0">
               <a:lnSpc>
                 <a:spcPct val="90000"/>
               </a:lnSpc>
@@ -23242,7 +24142,7 @@
             <a:endParaRPr dirty="0"/>
           </a:p>
           <a:p>
-            <a:pPr marL="228600" lvl="0" indent="-228600" algn="l" rtl="0">
+            <a:pPr marL="228600" lvl="0" indent="-228600" algn="just" rtl="0">
               <a:lnSpc>
                 <a:spcPct val="90000"/>
               </a:lnSpc>
@@ -23332,7 +24232,7 @@
             </a:r>
           </a:p>
           <a:p>
-            <a:pPr marL="228600" lvl="0" indent="-228600" algn="l" rtl="0">
+            <a:pPr marL="228600" lvl="0" indent="-228600" algn="just" rtl="0">
               <a:lnSpc>
                 <a:spcPct val="90000"/>
               </a:lnSpc>
@@ -23366,7 +24266,7 @@
             </a:r>
           </a:p>
           <a:p>
-            <a:pPr marL="228600" lvl="0" indent="-228600" algn="l" rtl="0">
+            <a:pPr marL="228600" lvl="0" indent="-228600" algn="just" rtl="0">
               <a:lnSpc>
                 <a:spcPct val="90000"/>
               </a:lnSpc>
@@ -23424,7 +24324,7 @@
             </a:r>
           </a:p>
           <a:p>
-            <a:pPr marL="228600" lvl="0" indent="-228600" algn="l" rtl="0">
+            <a:pPr marL="228600" lvl="0" indent="-228600" algn="just" rtl="0">
               <a:lnSpc>
                 <a:spcPct val="90000"/>
               </a:lnSpc>
@@ -23494,7 +24394,7 @@
             </a:r>
           </a:p>
           <a:p>
-            <a:pPr marL="228600" lvl="0" indent="-228600" algn="l" rtl="0">
+            <a:pPr marL="228600" lvl="0" indent="-228600" algn="just" rtl="0">
               <a:lnSpc>
                 <a:spcPct val="90000"/>
               </a:lnSpc>
@@ -23524,7 +24424,7 @@
             </a:r>
           </a:p>
           <a:p>
-            <a:pPr rtl="0" fontAlgn="base">
+            <a:pPr algn="just" rtl="0" fontAlgn="base">
               <a:spcBef>
                 <a:spcPts val="0"/>
               </a:spcBef>
@@ -23557,7 +24457,7 @@
             </a:endParaRPr>
           </a:p>
           <a:p>
-            <a:pPr indent="-228600" rtl="0">
+            <a:pPr indent="-228600" algn="just" rtl="0">
               <a:spcBef>
                 <a:spcPts val="1000"/>
               </a:spcBef>
@@ -23670,7 +24570,7 @@
             </a:endParaRPr>
           </a:p>
           <a:p>
-            <a:pPr indent="-228600" rtl="0">
+            <a:pPr indent="-228600" algn="just" rtl="0">
               <a:spcBef>
                 <a:spcPts val="1000"/>
               </a:spcBef>
@@ -23733,7 +24633,7 @@
             </a:endParaRPr>
           </a:p>
           <a:p>
-            <a:pPr indent="-228600" rtl="0">
+            <a:pPr indent="-228600" algn="just" rtl="0">
               <a:spcBef>
                 <a:spcPts val="1000"/>
               </a:spcBef>
@@ -23836,7 +24736,7 @@
             </a:endParaRPr>
           </a:p>
           <a:p>
-            <a:pPr indent="-228600" rtl="0">
+            <a:pPr indent="-228600" algn="just" rtl="0">
               <a:spcBef>
                 <a:spcPts val="1000"/>
               </a:spcBef>
@@ -24039,7 +24939,7 @@
             </a:endParaRPr>
           </a:p>
           <a:p>
-            <a:pPr indent="-228600" rtl="0">
+            <a:pPr indent="-228600" algn="just" rtl="0">
               <a:spcBef>
                 <a:spcPts val="1000"/>
               </a:spcBef>
@@ -24302,7 +25202,7 @@
             </a:endParaRPr>
           </a:p>
           <a:p>
-            <a:pPr indent="-228600" rtl="0">
+            <a:pPr indent="-228600" algn="just" rtl="0">
               <a:spcBef>
                 <a:spcPts val="1000"/>
               </a:spcBef>
@@ -24366,7 +25266,7 @@
           </a:p>
           <a:p>
             <a:br>
-              <a:rPr lang="en-US"/>
+              <a:rPr lang="en-US" dirty="0"/>
             </a:br>
             <a:endParaRPr dirty="0"/>
           </a:p>
@@ -24577,7 +25477,7 @@
           </a:bodyPr>
           <a:lstStyle/>
           <a:p>
-            <a:pPr marL="228600" lvl="0" indent="-228600" algn="l" rtl="0">
+            <a:pPr marL="228600" lvl="0" indent="-228600" algn="just" rtl="0">
               <a:lnSpc>
                 <a:spcPct val="90000"/>
               </a:lnSpc>
@@ -24648,7 +25548,7 @@
             <a:endParaRPr dirty="0"/>
           </a:p>
           <a:p>
-            <a:pPr marL="228600" lvl="0" indent="-228600" algn="l" rtl="0">
+            <a:pPr marL="228600" lvl="0" indent="-228600" algn="just" rtl="0">
               <a:lnSpc>
                 <a:spcPct val="90000"/>
               </a:lnSpc>
@@ -24735,7 +25635,7 @@
             <a:endParaRPr dirty="0"/>
           </a:p>
           <a:p>
-            <a:pPr marL="228600" lvl="0" indent="-228600" algn="l" rtl="0">
+            <a:pPr marL="228600" lvl="0" indent="-228600" algn="just" rtl="0">
               <a:lnSpc>
                 <a:spcPct val="90000"/>
               </a:lnSpc>
